--- a/Capstone Final/Presentation - No Diagram.pptx
+++ b/Capstone Final/Presentation - No Diagram.pptx
@@ -41,15 +41,15 @@
       <p:boldItalic r:id="rId27"/>
     </p:embeddedFont>
     <p:embeddedFont>
-      <p:font typeface="Walter Turncoat" panose="020B0604020202020204" charset="0"/>
+      <p:font typeface="Calibri" panose="020F0502020204030204" pitchFamily="34" charset="0"/>
       <p:regular r:id="rId28"/>
+      <p:bold r:id="rId29"/>
+      <p:italic r:id="rId30"/>
+      <p:boldItalic r:id="rId31"/>
     </p:embeddedFont>
     <p:embeddedFont>
-      <p:font typeface="Calibri" panose="020F0502020204030204" pitchFamily="34" charset="0"/>
-      <p:regular r:id="rId29"/>
-      <p:bold r:id="rId30"/>
-      <p:italic r:id="rId31"/>
-      <p:boldItalic r:id="rId32"/>
+      <p:font typeface="Walter Turncoat" panose="02000000000000000000" pitchFamily="2" charset="0"/>
+      <p:regular r:id="rId32"/>
     </p:embeddedFont>
   </p:embeddedFontLst>
   <p:defaultTextStyle>
@@ -41654,14 +41654,14 @@
                 <a:gridCol w="2620010">
                   <a:extLst>
                     <a:ext uri="{9D8B030D-6E8A-4147-A177-3AD203B41FA5}">
-                      <a16:colId xmlns:a16="http://schemas.microsoft.com/office/drawing/2014/main" xmlns="" val="4203157847"/>
+                      <a16:colId xmlns:a16="http://schemas.microsoft.com/office/drawing/2014/main" val="4203157847"/>
                     </a:ext>
                   </a:extLst>
                 </a:gridCol>
                 <a:gridCol w="2620010">
                   <a:extLst>
                     <a:ext uri="{9D8B030D-6E8A-4147-A177-3AD203B41FA5}">
-                      <a16:colId xmlns:a16="http://schemas.microsoft.com/office/drawing/2014/main" xmlns="" val="1234034270"/>
+                      <a16:colId xmlns:a16="http://schemas.microsoft.com/office/drawing/2014/main" val="1234034270"/>
                     </a:ext>
                   </a:extLst>
                 </a:gridCol>
@@ -41819,7 +41819,7 @@
                 </a:tc>
                 <a:extLst>
                   <a:ext uri="{0D108BD9-81ED-4DB2-BD59-A6C34878D82A}">
-                    <a16:rowId xmlns:a16="http://schemas.microsoft.com/office/drawing/2014/main" xmlns="" val="1750590964"/>
+                    <a16:rowId xmlns:a16="http://schemas.microsoft.com/office/drawing/2014/main" val="1750590964"/>
                   </a:ext>
                 </a:extLst>
               </a:tr>
@@ -41976,7 +41976,7 @@
                 </a:tc>
                 <a:extLst>
                   <a:ext uri="{0D108BD9-81ED-4DB2-BD59-A6C34878D82A}">
-                    <a16:rowId xmlns:a16="http://schemas.microsoft.com/office/drawing/2014/main" xmlns="" val="2961461396"/>
+                    <a16:rowId xmlns:a16="http://schemas.microsoft.com/office/drawing/2014/main" val="2961461396"/>
                   </a:ext>
                 </a:extLst>
               </a:tr>
@@ -42133,7 +42133,7 @@
                 </a:tc>
                 <a:extLst>
                   <a:ext uri="{0D108BD9-81ED-4DB2-BD59-A6C34878D82A}">
-                    <a16:rowId xmlns:a16="http://schemas.microsoft.com/office/drawing/2014/main" xmlns="" val="3197647084"/>
+                    <a16:rowId xmlns:a16="http://schemas.microsoft.com/office/drawing/2014/main" val="3197647084"/>
                   </a:ext>
                 </a:extLst>
               </a:tr>
@@ -42290,7 +42290,7 @@
                 </a:tc>
                 <a:extLst>
                   <a:ext uri="{0D108BD9-81ED-4DB2-BD59-A6C34878D82A}">
-                    <a16:rowId xmlns:a16="http://schemas.microsoft.com/office/drawing/2014/main" xmlns="" val="3265445166"/>
+                    <a16:rowId xmlns:a16="http://schemas.microsoft.com/office/drawing/2014/main" val="3265445166"/>
                   </a:ext>
                 </a:extLst>
               </a:tr>
@@ -42447,7 +42447,7 @@
                 </a:tc>
                 <a:extLst>
                   <a:ext uri="{0D108BD9-81ED-4DB2-BD59-A6C34878D82A}">
-                    <a16:rowId xmlns:a16="http://schemas.microsoft.com/office/drawing/2014/main" xmlns="" val="4010774508"/>
+                    <a16:rowId xmlns:a16="http://schemas.microsoft.com/office/drawing/2014/main" val="4010774508"/>
                   </a:ext>
                 </a:extLst>
               </a:tr>
@@ -42604,7 +42604,7 @@
                 </a:tc>
                 <a:extLst>
                   <a:ext uri="{0D108BD9-81ED-4DB2-BD59-A6C34878D82A}">
-                    <a16:rowId xmlns:a16="http://schemas.microsoft.com/office/drawing/2014/main" xmlns="" val="3370183113"/>
+                    <a16:rowId xmlns:a16="http://schemas.microsoft.com/office/drawing/2014/main" val="3370183113"/>
                   </a:ext>
                 </a:extLst>
               </a:tr>
@@ -42945,14 +42945,26 @@
               <a:buSzPts val="2400"/>
             </a:pPr>
             <a:r>
-              <a:rPr lang="en-PH" dirty="0" smtClean="0"/>
+              <a:rPr lang="en-PH" dirty="0" smtClean="0">
+                <a:solidFill>
+                  <a:schemeClr val="tx1"/>
+                </a:solidFill>
+              </a:rPr>
               <a:t>Businesses </a:t>
             </a:r>
             <a:r>
-              <a:rPr lang="en-PH" dirty="0"/>
+              <a:rPr lang="en-PH" dirty="0">
+                <a:solidFill>
+                  <a:schemeClr val="tx1"/>
+                </a:solidFill>
+              </a:rPr>
               <a:t>are advertising across the internet, and communication has been enhanced dramatically because of social media, a new platform for entertainment and so much more.</a:t>
             </a:r>
-            <a:endParaRPr sz="2400" dirty="0"/>
+            <a:endParaRPr sz="2400" dirty="0">
+              <a:solidFill>
+                <a:schemeClr val="tx1"/>
+              </a:solidFill>
+            </a:endParaRPr>
           </a:p>
         </p:txBody>
       </p:sp>
@@ -45334,6 +45346,42 @@
           </a:prstGeom>
         </p:spPr>
       </p:pic>
+      <p:sp>
+        <p:nvSpPr>
+          <p:cNvPr id="5" name="Rectangle 4"/>
+          <p:cNvSpPr/>
+          <p:nvPr/>
+        </p:nvSpPr>
+        <p:spPr>
+          <a:xfrm>
+            <a:off x="460862" y="285177"/>
+            <a:ext cx="1336407" cy="307777"/>
+          </a:xfrm>
+          <a:prstGeom prst="rect">
+            <a:avLst/>
+          </a:prstGeom>
+        </p:spPr>
+        <p:txBody>
+          <a:bodyPr wrap="square">
+            <a:spAutoFit/>
+          </a:bodyPr>
+          <a:lstStyle/>
+          <a:p>
+            <a:r>
+              <a:rPr lang="en" dirty="0">
+                <a:solidFill>
+                  <a:schemeClr val="accent6"/>
+                </a:solidFill>
+                <a:latin typeface="Walter Turncoat" panose="02000000000000000000" charset="0"/>
+              </a:rPr>
+              <a:t>Chapter 1</a:t>
+            </a:r>
+            <a:endParaRPr lang="en-US" dirty="0">
+              <a:latin typeface="Walter Turncoat" panose="02000000000000000000" charset="0"/>
+            </a:endParaRPr>
+          </a:p>
+        </p:txBody>
+      </p:sp>
     </p:spTree>
     <p:extLst>
       <p:ext uri="{BB962C8B-B14F-4D97-AF65-F5344CB8AC3E}">
